--- a/CAN/CAN.pptx
+++ b/CAN/CAN.pptx
@@ -7,7 +7,7 @@
     <p:sldMasterId id="2147483686" r:id="rId3"/>
   </p:sldMasterIdLst>
   <p:notesMasterIdLst>
-    <p:notesMasterId r:id="rId59"/>
+    <p:notesMasterId r:id="rId60"/>
   </p:notesMasterIdLst>
   <p:sldIdLst>
     <p:sldId id="266" r:id="rId4"/>
@@ -65,6 +65,7 @@
     <p:sldId id="319" r:id="rId56"/>
     <p:sldId id="295" r:id="rId57"/>
     <p:sldId id="297" r:id="rId58"/>
+    <p:sldId id="323" r:id="rId59"/>
   </p:sldIdLst>
   <p:sldSz cx="12192000" cy="6858000"/>
   <p:notesSz cx="6858000" cy="9144000"/>
@@ -16236,11 +16237,18 @@
                   <a:srgbClr val="333333"/>
                 </a:solidFill>
                 <a:effectLst/>
+                <a:highlight>
+                  <a:srgbClr val="FFFF00"/>
+                </a:highlight>
                 <a:latin typeface="Arial" panose="020B0604020202020204" pitchFamily="34" charset="0"/>
               </a:rPr>
               <a:t>With the use of a recessive SRR plus a recessive IDE bit, it is guaranteed that standard message frames (11-bit identifier) will always have higher priority than extended message frames (29-bit identifier).</a:t>
             </a:r>
-            <a:endParaRPr lang="en-IN" dirty="0"/>
+            <a:endParaRPr lang="en-IN" dirty="0">
+              <a:highlight>
+                <a:srgbClr val="FFFF00"/>
+              </a:highlight>
+            </a:endParaRPr>
           </a:p>
         </p:txBody>
       </p:sp>
@@ -16750,7 +16758,7 @@
         </p:nvSpPr>
         <p:spPr bwMode="auto">
           <a:xfrm>
-            <a:off x="577047" y="4127395"/>
+            <a:off x="607527" y="4214326"/>
             <a:ext cx="8797771" cy="1524007"/>
           </a:xfrm>
           <a:prstGeom prst="rect">
@@ -16811,7 +16819,7 @@
               <a:rPr lang="en-US" sz="1600" dirty="0">
                 <a:latin typeface="Arial" charset="0"/>
               </a:rPr>
-              <a:t>The original transmitter then automatically retransmits the message. error frames.</a:t>
+              <a:t>The original transmitter then automatically retransmits the message. </a:t>
             </a:r>
             <a:endParaRPr lang="en-IN" sz="1600" dirty="0">
               <a:latin typeface="Arial" charset="0"/>
@@ -18366,24 +18374,52 @@
           </a:p>
           <a:p>
             <a:r>
-              <a:rPr lang="en-US" dirty="0"/>
+              <a:rPr lang="en-US" dirty="0">
+                <a:highlight>
+                  <a:srgbClr val="FFFF00"/>
+                </a:highlight>
+              </a:rPr>
               <a:t>At the end of the </a:t>
             </a:r>
             <a:r>
-              <a:rPr lang="en-US" b="1" dirty="0"/>
+              <a:rPr lang="en-US" b="1" dirty="0">
+                <a:highlight>
+                  <a:srgbClr val="FFFF00"/>
+                </a:highlight>
+              </a:rPr>
               <a:t>arbitration phase</a:t>
             </a:r>
             <a:r>
-              <a:rPr lang="en-US" dirty="0"/>
+              <a:rPr lang="en-US" dirty="0">
+                <a:highlight>
+                  <a:srgbClr val="FFFF00"/>
+                </a:highlight>
+              </a:rPr>
               <a:t>, the CAN node transmitting the CAN message with the </a:t>
             </a:r>
             <a:r>
-              <a:rPr lang="en-US" b="1" dirty="0"/>
+              <a:rPr lang="en-US" b="1" dirty="0">
+                <a:highlight>
+                  <a:srgbClr val="FFFF00"/>
+                </a:highlight>
+              </a:rPr>
               <a:t>lowest ID</a:t>
             </a:r>
             <a:r>
-              <a:rPr lang="en-US" dirty="0"/>
-              <a:t> gets authorization to send. CAN nodes with lower priority messages switch to the receiving state, later they access the CAN bus for another sending attempt as soon as it is available again. </a:t>
+              <a:rPr lang="en-US" dirty="0">
+                <a:highlight>
+                  <a:srgbClr val="FFFF00"/>
+                </a:highlight>
+              </a:rPr>
+              <a:t> gets authorization to send. </a:t>
+            </a:r>
+            <a:r>
+              <a:rPr lang="en-US" dirty="0">
+                <a:highlight>
+                  <a:srgbClr val="00FF00"/>
+                </a:highlight>
+              </a:rPr>
+              <a:t>CAN nodes with lower priority messages switch to the receiving state, later they access the CAN bus for another sending attempt as soon as it is available again. </a:t>
             </a:r>
           </a:p>
           <a:p>
@@ -21997,7 +22033,7 @@
         </p:nvSpPr>
         <p:spPr>
           <a:xfrm>
-            <a:off x="267844" y="2253732"/>
+            <a:off x="329988" y="1170656"/>
             <a:ext cx="11332633" cy="5273675"/>
           </a:xfrm>
         </p:spPr>
@@ -22009,9 +22045,12 @@
               <a:buNone/>
             </a:pPr>
             <a:r>
-              <a:rPr lang="en-US" sz="8800" dirty="0"/>
-              <a:t>Thank you</a:t>
-            </a:r>
+              <a:rPr lang="en-US" sz="8800" dirty="0">
+                <a:hlinkClick r:id="rId2"/>
+              </a:rPr>
+              <a:t>Learning Resource</a:t>
+            </a:r>
+            <a:endParaRPr lang="en-US" sz="8800" dirty="0"/>
           </a:p>
         </p:txBody>
       </p:sp>
@@ -22064,6 +22103,111 @@
     <p:extLst>
       <p:ext uri="{BB962C8B-B14F-4D97-AF65-F5344CB8AC3E}">
         <p14:creationId xmlns:p14="http://schemas.microsoft.com/office/powerpoint/2010/main" val="3920893831"/>
+      </p:ext>
+    </p:extLst>
+  </p:cSld>
+  <p:clrMapOvr>
+    <a:masterClrMapping/>
+  </p:clrMapOvr>
+</p:sld>
+</file>
+
+<file path=ppt/slides/slide56.xml><?xml version="1.0" encoding="utf-8"?>
+<p:sld xmlns:a="http://schemas.openxmlformats.org/drawingml/2006/main" xmlns:r="http://schemas.openxmlformats.org/officeDocument/2006/relationships" xmlns:p="http://schemas.openxmlformats.org/presentationml/2006/main">
+  <p:cSld>
+    <p:spTree>
+      <p:nvGrpSpPr>
+        <p:cNvPr id="1" name=""/>
+        <p:cNvGrpSpPr/>
+        <p:nvPr/>
+      </p:nvGrpSpPr>
+      <p:grpSpPr>
+        <a:xfrm>
+          <a:off x="0" y="0"/>
+          <a:ext cx="0" cy="0"/>
+          <a:chOff x="0" y="0"/>
+          <a:chExt cx="0" cy="0"/>
+        </a:xfrm>
+      </p:grpSpPr>
+      <p:sp>
+        <p:nvSpPr>
+          <p:cNvPr id="3" name="Content Placeholder 2"/>
+          <p:cNvSpPr>
+            <a:spLocks noGrp="1"/>
+          </p:cNvSpPr>
+          <p:nvPr>
+            <p:ph idx="1"/>
+          </p:nvPr>
+        </p:nvSpPr>
+        <p:spPr>
+          <a:xfrm>
+            <a:off x="267844" y="2253732"/>
+            <a:ext cx="11332633" cy="5273675"/>
+          </a:xfrm>
+        </p:spPr>
+        <p:txBody>
+          <a:bodyPr/>
+          <a:lstStyle/>
+          <a:p>
+            <a:pPr marL="0" indent="0" algn="ctr">
+              <a:buNone/>
+            </a:pPr>
+            <a:r>
+              <a:rPr lang="en-US" sz="8800" dirty="0"/>
+              <a:t>Thank you</a:t>
+            </a:r>
+          </a:p>
+        </p:txBody>
+      </p:sp>
+      <p:sp>
+        <p:nvSpPr>
+          <p:cNvPr id="4" name="Slide Number Placeholder 3"/>
+          <p:cNvSpPr>
+            <a:spLocks noGrp="1"/>
+          </p:cNvSpPr>
+          <p:nvPr>
+            <p:ph type="sldNum" sz="quarter" idx="10"/>
+          </p:nvPr>
+        </p:nvSpPr>
+        <p:spPr/>
+        <p:txBody>
+          <a:bodyPr/>
+          <a:lstStyle/>
+          <a:p>
+            <a:pPr>
+              <a:defRPr/>
+            </a:pPr>
+            <a:r>
+              <a:rPr lang="en-US">
+                <a:solidFill>
+                  <a:srgbClr val="969696"/>
+                </a:solidFill>
+              </a:rPr>
+              <a:t>Page </a:t>
+            </a:r>
+            <a:fld id="{3B9B2790-871E-4B14-89F3-CE456C00FFBE}" type="slidenum">
+              <a:rPr lang="en-US" smtClean="0">
+                <a:solidFill>
+                  <a:srgbClr val="969696"/>
+                </a:solidFill>
+              </a:rPr>
+              <a:pPr>
+                <a:defRPr/>
+              </a:pPr>
+              <a:t>56</a:t>
+            </a:fld>
+            <a:endParaRPr lang="en-US" dirty="0">
+              <a:solidFill>
+                <a:srgbClr val="969696"/>
+              </a:solidFill>
+            </a:endParaRPr>
+          </a:p>
+        </p:txBody>
+      </p:sp>
+    </p:spTree>
+    <p:extLst>
+      <p:ext uri="{BB962C8B-B14F-4D97-AF65-F5344CB8AC3E}">
+        <p14:creationId xmlns:p14="http://schemas.microsoft.com/office/powerpoint/2010/main" val="3393991446"/>
       </p:ext>
     </p:extLst>
   </p:cSld>
